--- a/src/org/ramadda/repository/htdocs/images/logo.pptx
+++ b/src/org/ramadda/repository/htdocs/images/logo.pptx
@@ -104,6 +104,22 @@
       </a:defRPr>
     </a:lvl9pPr>
   </p:defaultTextStyle>
+  <p:extLst>
+    <p:ext uri="{EFAFB233-063F-42B5-8137-9DF3F51BA10A}">
+      <p15:sldGuideLst xmlns:p15="http://schemas.microsoft.com/office/powerpoint/2012/main">
+        <p15:guide id="1" orient="horz" pos="1976">
+          <p15:clr>
+            <a:srgbClr val="A4A3A4"/>
+          </p15:clr>
+        </p15:guide>
+        <p15:guide id="2" pos="1936">
+          <p15:clr>
+            <a:srgbClr val="A4A3A4"/>
+          </p15:clr>
+        </p15:guide>
+      </p15:sldGuideLst>
+    </p:ext>
+  </p:extLst>
 </p:presentation>
 </file>
 
@@ -145,10 +161,9 @@
           <a:lstStyle/>
           <a:p>
             <a:r>
-              <a:rPr lang="en-US" smtClean="0"/>
+              <a:rPr lang="en-US"/>
               <a:t>Click to edit Master title style</a:t>
             </a:r>
-            <a:endParaRPr lang="en-US"/>
           </a:p>
         </p:txBody>
       </p:sp>
@@ -264,10 +279,9 @@
           </a:lstStyle>
           <a:p>
             <a:r>
-              <a:rPr lang="en-US" smtClean="0"/>
+              <a:rPr lang="en-US"/>
               <a:t>Click to edit Master subtitle style</a:t>
             </a:r>
-            <a:endParaRPr lang="en-US"/>
           </a:p>
         </p:txBody>
       </p:sp>
@@ -288,7 +302,7 @@
           <a:p>
             <a:fld id="{1BC3855B-EFED-1C4C-91BB-43F2E4AAE8FB}" type="datetimeFigureOut">
               <a:rPr lang="en-US" smtClean="0"/>
-              <a:t>11/18/14</a:t>
+              <a:t>4/3/23</a:t>
             </a:fld>
             <a:endParaRPr lang="en-US"/>
           </a:p>
@@ -382,10 +396,9 @@
           <a:lstStyle/>
           <a:p>
             <a:r>
-              <a:rPr lang="en-US" smtClean="0"/>
+              <a:rPr lang="en-US"/>
               <a:t>Click to edit Master title style</a:t>
             </a:r>
-            <a:endParaRPr lang="en-US"/>
           </a:p>
         </p:txBody>
       </p:sp>
@@ -406,38 +419,37 @@
           <a:p>
             <a:pPr lvl="0"/>
             <a:r>
-              <a:rPr lang="en-US" smtClean="0"/>
+              <a:rPr lang="en-US"/>
               <a:t>Click to edit Master text styles</a:t>
             </a:r>
           </a:p>
           <a:p>
             <a:pPr lvl="1"/>
             <a:r>
-              <a:rPr lang="en-US" smtClean="0"/>
+              <a:rPr lang="en-US"/>
               <a:t>Second level</a:t>
             </a:r>
           </a:p>
           <a:p>
             <a:pPr lvl="2"/>
             <a:r>
-              <a:rPr lang="en-US" smtClean="0"/>
+              <a:rPr lang="en-US"/>
               <a:t>Third level</a:t>
             </a:r>
           </a:p>
           <a:p>
             <a:pPr lvl="3"/>
             <a:r>
-              <a:rPr lang="en-US" smtClean="0"/>
+              <a:rPr lang="en-US"/>
               <a:t>Fourth level</a:t>
             </a:r>
           </a:p>
           <a:p>
             <a:pPr lvl="4"/>
             <a:r>
-              <a:rPr lang="en-US" smtClean="0"/>
+              <a:rPr lang="en-US"/>
               <a:t>Fifth level</a:t>
             </a:r>
-            <a:endParaRPr lang="en-US"/>
           </a:p>
         </p:txBody>
       </p:sp>
@@ -458,7 +470,7 @@
           <a:p>
             <a:fld id="{1BC3855B-EFED-1C4C-91BB-43F2E4AAE8FB}" type="datetimeFigureOut">
               <a:rPr lang="en-US" smtClean="0"/>
-              <a:t>11/18/14</a:t>
+              <a:t>4/3/23</a:t>
             </a:fld>
             <a:endParaRPr lang="en-US"/>
           </a:p>
@@ -557,10 +569,9 @@
           <a:lstStyle/>
           <a:p>
             <a:r>
-              <a:rPr lang="en-US" smtClean="0"/>
+              <a:rPr lang="en-US"/>
               <a:t>Click to edit Master title style</a:t>
             </a:r>
-            <a:endParaRPr lang="en-US"/>
           </a:p>
         </p:txBody>
       </p:sp>
@@ -586,38 +597,37 @@
           <a:p>
             <a:pPr lvl="0"/>
             <a:r>
-              <a:rPr lang="en-US" smtClean="0"/>
+              <a:rPr lang="en-US"/>
               <a:t>Click to edit Master text styles</a:t>
             </a:r>
           </a:p>
           <a:p>
             <a:pPr lvl="1"/>
             <a:r>
-              <a:rPr lang="en-US" smtClean="0"/>
+              <a:rPr lang="en-US"/>
               <a:t>Second level</a:t>
             </a:r>
           </a:p>
           <a:p>
             <a:pPr lvl="2"/>
             <a:r>
-              <a:rPr lang="en-US" smtClean="0"/>
+              <a:rPr lang="en-US"/>
               <a:t>Third level</a:t>
             </a:r>
           </a:p>
           <a:p>
             <a:pPr lvl="3"/>
             <a:r>
-              <a:rPr lang="en-US" smtClean="0"/>
+              <a:rPr lang="en-US"/>
               <a:t>Fourth level</a:t>
             </a:r>
           </a:p>
           <a:p>
             <a:pPr lvl="4"/>
             <a:r>
-              <a:rPr lang="en-US" smtClean="0"/>
+              <a:rPr lang="en-US"/>
               <a:t>Fifth level</a:t>
             </a:r>
-            <a:endParaRPr lang="en-US"/>
           </a:p>
         </p:txBody>
       </p:sp>
@@ -638,7 +648,7 @@
           <a:p>
             <a:fld id="{1BC3855B-EFED-1C4C-91BB-43F2E4AAE8FB}" type="datetimeFigureOut">
               <a:rPr lang="en-US" smtClean="0"/>
-              <a:t>11/18/14</a:t>
+              <a:t>4/3/23</a:t>
             </a:fld>
             <a:endParaRPr lang="en-US"/>
           </a:p>
@@ -732,10 +742,9 @@
           <a:lstStyle/>
           <a:p>
             <a:r>
-              <a:rPr lang="en-US" smtClean="0"/>
+              <a:rPr lang="en-US"/>
               <a:t>Click to edit Master title style</a:t>
             </a:r>
-            <a:endParaRPr lang="en-US"/>
           </a:p>
         </p:txBody>
       </p:sp>
@@ -756,38 +765,37 @@
           <a:p>
             <a:pPr lvl="0"/>
             <a:r>
-              <a:rPr lang="en-US" smtClean="0"/>
+              <a:rPr lang="en-US"/>
               <a:t>Click to edit Master text styles</a:t>
             </a:r>
           </a:p>
           <a:p>
             <a:pPr lvl="1"/>
             <a:r>
-              <a:rPr lang="en-US" smtClean="0"/>
+              <a:rPr lang="en-US"/>
               <a:t>Second level</a:t>
             </a:r>
           </a:p>
           <a:p>
             <a:pPr lvl="2"/>
             <a:r>
-              <a:rPr lang="en-US" smtClean="0"/>
+              <a:rPr lang="en-US"/>
               <a:t>Third level</a:t>
             </a:r>
           </a:p>
           <a:p>
             <a:pPr lvl="3"/>
             <a:r>
-              <a:rPr lang="en-US" smtClean="0"/>
+              <a:rPr lang="en-US"/>
               <a:t>Fourth level</a:t>
             </a:r>
           </a:p>
           <a:p>
             <a:pPr lvl="4"/>
             <a:r>
-              <a:rPr lang="en-US" smtClean="0"/>
+              <a:rPr lang="en-US"/>
               <a:t>Fifth level</a:t>
             </a:r>
-            <a:endParaRPr lang="en-US"/>
           </a:p>
         </p:txBody>
       </p:sp>
@@ -808,7 +816,7 @@
           <a:p>
             <a:fld id="{1BC3855B-EFED-1C4C-91BB-43F2E4AAE8FB}" type="datetimeFigureOut">
               <a:rPr lang="en-US" smtClean="0"/>
-              <a:t>11/18/14</a:t>
+              <a:t>4/3/23</a:t>
             </a:fld>
             <a:endParaRPr lang="en-US"/>
           </a:p>
@@ -911,10 +919,9 @@
           </a:lstStyle>
           <a:p>
             <a:r>
-              <a:rPr lang="en-US" smtClean="0"/>
+              <a:rPr lang="en-US"/>
               <a:t>Click to edit Master title style</a:t>
             </a:r>
-            <a:endParaRPr lang="en-US"/>
           </a:p>
         </p:txBody>
       </p:sp>
@@ -1031,7 +1038,7 @@
           <a:p>
             <a:pPr lvl="0"/>
             <a:r>
-              <a:rPr lang="en-US" smtClean="0"/>
+              <a:rPr lang="en-US"/>
               <a:t>Click to edit Master text styles</a:t>
             </a:r>
           </a:p>
@@ -1054,7 +1061,7 @@
           <a:p>
             <a:fld id="{1BC3855B-EFED-1C4C-91BB-43F2E4AAE8FB}" type="datetimeFigureOut">
               <a:rPr lang="en-US" smtClean="0"/>
-              <a:t>11/18/14</a:t>
+              <a:t>4/3/23</a:t>
             </a:fld>
             <a:endParaRPr lang="en-US"/>
           </a:p>
@@ -1148,10 +1155,9 @@
           <a:lstStyle/>
           <a:p>
             <a:r>
-              <a:rPr lang="en-US" smtClean="0"/>
+              <a:rPr lang="en-US"/>
               <a:t>Click to edit Master title style</a:t>
             </a:r>
-            <a:endParaRPr lang="en-US"/>
           </a:p>
         </p:txBody>
       </p:sp>
@@ -1205,38 +1211,37 @@
           <a:p>
             <a:pPr lvl="0"/>
             <a:r>
-              <a:rPr lang="en-US" smtClean="0"/>
+              <a:rPr lang="en-US"/>
               <a:t>Click to edit Master text styles</a:t>
             </a:r>
           </a:p>
           <a:p>
             <a:pPr lvl="1"/>
             <a:r>
-              <a:rPr lang="en-US" smtClean="0"/>
+              <a:rPr lang="en-US"/>
               <a:t>Second level</a:t>
             </a:r>
           </a:p>
           <a:p>
             <a:pPr lvl="2"/>
             <a:r>
-              <a:rPr lang="en-US" smtClean="0"/>
+              <a:rPr lang="en-US"/>
               <a:t>Third level</a:t>
             </a:r>
           </a:p>
           <a:p>
             <a:pPr lvl="3"/>
             <a:r>
-              <a:rPr lang="en-US" smtClean="0"/>
+              <a:rPr lang="en-US"/>
               <a:t>Fourth level</a:t>
             </a:r>
           </a:p>
           <a:p>
             <a:pPr lvl="4"/>
             <a:r>
-              <a:rPr lang="en-US" smtClean="0"/>
+              <a:rPr lang="en-US"/>
               <a:t>Fifth level</a:t>
             </a:r>
-            <a:endParaRPr lang="en-US"/>
           </a:p>
         </p:txBody>
       </p:sp>
@@ -1290,38 +1295,37 @@
           <a:p>
             <a:pPr lvl="0"/>
             <a:r>
-              <a:rPr lang="en-US" smtClean="0"/>
+              <a:rPr lang="en-US"/>
               <a:t>Click to edit Master text styles</a:t>
             </a:r>
           </a:p>
           <a:p>
             <a:pPr lvl="1"/>
             <a:r>
-              <a:rPr lang="en-US" smtClean="0"/>
+              <a:rPr lang="en-US"/>
               <a:t>Second level</a:t>
             </a:r>
           </a:p>
           <a:p>
             <a:pPr lvl="2"/>
             <a:r>
-              <a:rPr lang="en-US" smtClean="0"/>
+              <a:rPr lang="en-US"/>
               <a:t>Third level</a:t>
             </a:r>
           </a:p>
           <a:p>
             <a:pPr lvl="3"/>
             <a:r>
-              <a:rPr lang="en-US" smtClean="0"/>
+              <a:rPr lang="en-US"/>
               <a:t>Fourth level</a:t>
             </a:r>
           </a:p>
           <a:p>
             <a:pPr lvl="4"/>
             <a:r>
-              <a:rPr lang="en-US" smtClean="0"/>
+              <a:rPr lang="en-US"/>
               <a:t>Fifth level</a:t>
             </a:r>
-            <a:endParaRPr lang="en-US"/>
           </a:p>
         </p:txBody>
       </p:sp>
@@ -1342,7 +1346,7 @@
           <a:p>
             <a:fld id="{1BC3855B-EFED-1C4C-91BB-43F2E4AAE8FB}" type="datetimeFigureOut">
               <a:rPr lang="en-US" smtClean="0"/>
-              <a:t>11/18/14</a:t>
+              <a:t>4/3/23</a:t>
             </a:fld>
             <a:endParaRPr lang="en-US"/>
           </a:p>
@@ -1440,10 +1444,9 @@
           </a:lstStyle>
           <a:p>
             <a:r>
-              <a:rPr lang="en-US" smtClean="0"/>
+              <a:rPr lang="en-US"/>
               <a:t>Click to edit Master title style</a:t>
             </a:r>
-            <a:endParaRPr lang="en-US"/>
           </a:p>
         </p:txBody>
       </p:sp>
@@ -1506,7 +1509,7 @@
           <a:p>
             <a:pPr lvl="0"/>
             <a:r>
-              <a:rPr lang="en-US" smtClean="0"/>
+              <a:rPr lang="en-US"/>
               <a:t>Click to edit Master text styles</a:t>
             </a:r>
           </a:p>
@@ -1562,38 +1565,37 @@
           <a:p>
             <a:pPr lvl="0"/>
             <a:r>
-              <a:rPr lang="en-US" smtClean="0"/>
+              <a:rPr lang="en-US"/>
               <a:t>Click to edit Master text styles</a:t>
             </a:r>
           </a:p>
           <a:p>
             <a:pPr lvl="1"/>
             <a:r>
-              <a:rPr lang="en-US" smtClean="0"/>
+              <a:rPr lang="en-US"/>
               <a:t>Second level</a:t>
             </a:r>
           </a:p>
           <a:p>
             <a:pPr lvl="2"/>
             <a:r>
-              <a:rPr lang="en-US" smtClean="0"/>
+              <a:rPr lang="en-US"/>
               <a:t>Third level</a:t>
             </a:r>
           </a:p>
           <a:p>
             <a:pPr lvl="3"/>
             <a:r>
-              <a:rPr lang="en-US" smtClean="0"/>
+              <a:rPr lang="en-US"/>
               <a:t>Fourth level</a:t>
             </a:r>
           </a:p>
           <a:p>
             <a:pPr lvl="4"/>
             <a:r>
-              <a:rPr lang="en-US" smtClean="0"/>
+              <a:rPr lang="en-US"/>
               <a:t>Fifth level</a:t>
             </a:r>
-            <a:endParaRPr lang="en-US"/>
           </a:p>
         </p:txBody>
       </p:sp>
@@ -1656,7 +1658,7 @@
           <a:p>
             <a:pPr lvl="0"/>
             <a:r>
-              <a:rPr lang="en-US" smtClean="0"/>
+              <a:rPr lang="en-US"/>
               <a:t>Click to edit Master text styles</a:t>
             </a:r>
           </a:p>
@@ -1712,38 +1714,37 @@
           <a:p>
             <a:pPr lvl="0"/>
             <a:r>
-              <a:rPr lang="en-US" smtClean="0"/>
+              <a:rPr lang="en-US"/>
               <a:t>Click to edit Master text styles</a:t>
             </a:r>
           </a:p>
           <a:p>
             <a:pPr lvl="1"/>
             <a:r>
-              <a:rPr lang="en-US" smtClean="0"/>
+              <a:rPr lang="en-US"/>
               <a:t>Second level</a:t>
             </a:r>
           </a:p>
           <a:p>
             <a:pPr lvl="2"/>
             <a:r>
-              <a:rPr lang="en-US" smtClean="0"/>
+              <a:rPr lang="en-US"/>
               <a:t>Third level</a:t>
             </a:r>
           </a:p>
           <a:p>
             <a:pPr lvl="3"/>
             <a:r>
-              <a:rPr lang="en-US" smtClean="0"/>
+              <a:rPr lang="en-US"/>
               <a:t>Fourth level</a:t>
             </a:r>
           </a:p>
           <a:p>
             <a:pPr lvl="4"/>
             <a:r>
-              <a:rPr lang="en-US" smtClean="0"/>
+              <a:rPr lang="en-US"/>
               <a:t>Fifth level</a:t>
             </a:r>
-            <a:endParaRPr lang="en-US"/>
           </a:p>
         </p:txBody>
       </p:sp>
@@ -1764,7 +1765,7 @@
           <a:p>
             <a:fld id="{1BC3855B-EFED-1C4C-91BB-43F2E4AAE8FB}" type="datetimeFigureOut">
               <a:rPr lang="en-US" smtClean="0"/>
-              <a:t>11/18/14</a:t>
+              <a:t>4/3/23</a:t>
             </a:fld>
             <a:endParaRPr lang="en-US"/>
           </a:p>
@@ -1858,10 +1859,9 @@
           <a:lstStyle/>
           <a:p>
             <a:r>
-              <a:rPr lang="en-US" smtClean="0"/>
+              <a:rPr lang="en-US"/>
               <a:t>Click to edit Master title style</a:t>
             </a:r>
-            <a:endParaRPr lang="en-US"/>
           </a:p>
         </p:txBody>
       </p:sp>
@@ -1882,7 +1882,7 @@
           <a:p>
             <a:fld id="{1BC3855B-EFED-1C4C-91BB-43F2E4AAE8FB}" type="datetimeFigureOut">
               <a:rPr lang="en-US" smtClean="0"/>
-              <a:t>11/18/14</a:t>
+              <a:t>4/3/23</a:t>
             </a:fld>
             <a:endParaRPr lang="en-US"/>
           </a:p>
@@ -1977,7 +1977,7 @@
           <a:p>
             <a:fld id="{1BC3855B-EFED-1C4C-91BB-43F2E4AAE8FB}" type="datetimeFigureOut">
               <a:rPr lang="en-US" smtClean="0"/>
-              <a:t>11/18/14</a:t>
+              <a:t>4/3/23</a:t>
             </a:fld>
             <a:endParaRPr lang="en-US"/>
           </a:p>
@@ -2080,10 +2080,9 @@
           </a:lstStyle>
           <a:p>
             <a:r>
-              <a:rPr lang="en-US" smtClean="0"/>
+              <a:rPr lang="en-US"/>
               <a:t>Click to edit Master title style</a:t>
             </a:r>
-            <a:endParaRPr lang="en-US"/>
           </a:p>
         </p:txBody>
       </p:sp>
@@ -2137,38 +2136,37 @@
           <a:p>
             <a:pPr lvl="0"/>
             <a:r>
-              <a:rPr lang="en-US" smtClean="0"/>
+              <a:rPr lang="en-US"/>
               <a:t>Click to edit Master text styles</a:t>
             </a:r>
           </a:p>
           <a:p>
             <a:pPr lvl="1"/>
             <a:r>
-              <a:rPr lang="en-US" smtClean="0"/>
+              <a:rPr lang="en-US"/>
               <a:t>Second level</a:t>
             </a:r>
           </a:p>
           <a:p>
             <a:pPr lvl="2"/>
             <a:r>
-              <a:rPr lang="en-US" smtClean="0"/>
+              <a:rPr lang="en-US"/>
               <a:t>Third level</a:t>
             </a:r>
           </a:p>
           <a:p>
             <a:pPr lvl="3"/>
             <a:r>
-              <a:rPr lang="en-US" smtClean="0"/>
+              <a:rPr lang="en-US"/>
               <a:t>Fourth level</a:t>
             </a:r>
           </a:p>
           <a:p>
             <a:pPr lvl="4"/>
             <a:r>
-              <a:rPr lang="en-US" smtClean="0"/>
+              <a:rPr lang="en-US"/>
               <a:t>Fifth level</a:t>
             </a:r>
-            <a:endParaRPr lang="en-US"/>
           </a:p>
         </p:txBody>
       </p:sp>
@@ -2231,7 +2229,7 @@
           <a:p>
             <a:pPr lvl="0"/>
             <a:r>
-              <a:rPr lang="en-US" smtClean="0"/>
+              <a:rPr lang="en-US"/>
               <a:t>Click to edit Master text styles</a:t>
             </a:r>
           </a:p>
@@ -2254,7 +2252,7 @@
           <a:p>
             <a:fld id="{1BC3855B-EFED-1C4C-91BB-43F2E4AAE8FB}" type="datetimeFigureOut">
               <a:rPr lang="en-US" smtClean="0"/>
-              <a:t>11/18/14</a:t>
+              <a:t>4/3/23</a:t>
             </a:fld>
             <a:endParaRPr lang="en-US"/>
           </a:p>
@@ -2357,10 +2355,9 @@
           </a:lstStyle>
           <a:p>
             <a:r>
-              <a:rPr lang="en-US" smtClean="0"/>
+              <a:rPr lang="en-US"/>
               <a:t>Click to edit Master title style</a:t>
             </a:r>
-            <a:endParaRPr lang="en-US"/>
           </a:p>
         </p:txBody>
       </p:sp>
@@ -2484,7 +2481,7 @@
           <a:p>
             <a:pPr lvl="0"/>
             <a:r>
-              <a:rPr lang="en-US" smtClean="0"/>
+              <a:rPr lang="en-US"/>
               <a:t>Click to edit Master text styles</a:t>
             </a:r>
           </a:p>
@@ -2507,7 +2504,7 @@
           <a:p>
             <a:fld id="{1BC3855B-EFED-1C4C-91BB-43F2E4AAE8FB}" type="datetimeFigureOut">
               <a:rPr lang="en-US" smtClean="0"/>
-              <a:t>11/18/14</a:t>
+              <a:t>4/3/23</a:t>
             </a:fld>
             <a:endParaRPr lang="en-US"/>
           </a:p>
@@ -2616,10 +2613,9 @@
           <a:lstStyle/>
           <a:p>
             <a:r>
-              <a:rPr lang="en-US" smtClean="0"/>
+              <a:rPr lang="en-US"/>
               <a:t>Click to edit Master title style</a:t>
             </a:r>
-            <a:endParaRPr lang="en-US"/>
           </a:p>
         </p:txBody>
       </p:sp>
@@ -2650,38 +2646,37 @@
           <a:p>
             <a:pPr lvl="0"/>
             <a:r>
-              <a:rPr lang="en-US" smtClean="0"/>
+              <a:rPr lang="en-US"/>
               <a:t>Click to edit Master text styles</a:t>
             </a:r>
           </a:p>
           <a:p>
             <a:pPr lvl="1"/>
             <a:r>
-              <a:rPr lang="en-US" smtClean="0"/>
+              <a:rPr lang="en-US"/>
               <a:t>Second level</a:t>
             </a:r>
           </a:p>
           <a:p>
             <a:pPr lvl="2"/>
             <a:r>
-              <a:rPr lang="en-US" smtClean="0"/>
+              <a:rPr lang="en-US"/>
               <a:t>Third level</a:t>
             </a:r>
           </a:p>
           <a:p>
             <a:pPr lvl="3"/>
             <a:r>
-              <a:rPr lang="en-US" smtClean="0"/>
+              <a:rPr lang="en-US"/>
               <a:t>Fourth level</a:t>
             </a:r>
           </a:p>
           <a:p>
             <a:pPr lvl="4"/>
             <a:r>
-              <a:rPr lang="en-US" smtClean="0"/>
+              <a:rPr lang="en-US"/>
               <a:t>Fifth level</a:t>
             </a:r>
-            <a:endParaRPr lang="en-US"/>
           </a:p>
         </p:txBody>
       </p:sp>
@@ -2720,7 +2715,7 @@
           <a:p>
             <a:fld id="{1BC3855B-EFED-1C4C-91BB-43F2E4AAE8FB}" type="datetimeFigureOut">
               <a:rPr lang="en-US" smtClean="0"/>
-              <a:t>11/18/14</a:t>
+              <a:t>4/3/23</a:t>
             </a:fld>
             <a:endParaRPr lang="en-US"/>
           </a:p>
@@ -3133,7 +3128,7 @@
         <p:spPr>
           <a:xfrm>
             <a:off x="3902778" y="1096341"/>
-            <a:ext cx="2189196" cy="523220"/>
+            <a:ext cx="2390398" cy="523220"/>
           </a:xfrm>
           <a:prstGeom prst="rect">
             <a:avLst/>
@@ -3147,22 +3142,15 @@
           <a:lstStyle/>
           <a:p>
             <a:r>
-              <a:rPr lang="en-US" sz="2800" dirty="0" smtClean="0">
+              <a:rPr lang="en-US" sz="2800" dirty="0">
                 <a:solidFill>
                   <a:srgbClr val="006092"/>
                 </a:solidFill>
                 <a:latin typeface="Gill Sans Light"/>
                 <a:cs typeface="Gill Sans Light"/>
               </a:rPr>
-              <a:t>geodeSystems</a:t>
-            </a:r>
-            <a:endParaRPr lang="en-US" sz="2800" dirty="0">
-              <a:solidFill>
-                <a:srgbClr val="006092"/>
-              </a:solidFill>
-              <a:latin typeface="Gill Sans Light"/>
-              <a:cs typeface="Gill Sans Light"/>
-            </a:endParaRPr>
+              <a:t>Geode Systems</a:t>
+            </a:r>
           </a:p>
         </p:txBody>
       </p:sp>

--- a/src/org/ramadda/repository/htdocs/images/logo.pptx
+++ b/src/org/ramadda/repository/htdocs/images/logo.pptx
@@ -3127,8 +3127,8 @@
         </p:nvSpPr>
         <p:spPr>
           <a:xfrm>
-            <a:off x="3902778" y="1096341"/>
-            <a:ext cx="2390398" cy="523220"/>
+            <a:off x="4082881" y="948453"/>
+            <a:ext cx="2077813" cy="461665"/>
           </a:xfrm>
           <a:prstGeom prst="rect">
             <a:avLst/>
@@ -3142,7 +3142,7 @@
           <a:lstStyle/>
           <a:p>
             <a:r>
-              <a:rPr lang="en-US" sz="2800" dirty="0">
+              <a:rPr lang="en-US" sz="2400" dirty="0">
                 <a:solidFill>
                   <a:srgbClr val="006092"/>
                 </a:solidFill>
@@ -3150,6 +3150,47 @@
                 <a:cs typeface="Gill Sans Light"/>
               </a:rPr>
               <a:t>Geode Systems</a:t>
+            </a:r>
+          </a:p>
+        </p:txBody>
+      </p:sp>
+      <p:sp>
+        <p:nvSpPr>
+          <p:cNvPr id="2" name="TextBox 1">
+            <a:extLst>
+              <a:ext uri="{FF2B5EF4-FFF2-40B4-BE49-F238E27FC236}">
+                <a16:creationId xmlns:a16="http://schemas.microsoft.com/office/drawing/2014/main" id="{9A731925-A279-EDF4-08B3-68F881893D71}"/>
+              </a:ext>
+            </a:extLst>
+          </p:cNvPr>
+          <p:cNvSpPr txBox="1"/>
+          <p:nvPr/>
+        </p:nvSpPr>
+        <p:spPr>
+          <a:xfrm>
+            <a:off x="4500752" y="1299059"/>
+            <a:ext cx="1659942" cy="461665"/>
+          </a:xfrm>
+          <a:prstGeom prst="rect">
+            <a:avLst/>
+          </a:prstGeom>
+          <a:noFill/>
+        </p:spPr>
+        <p:txBody>
+          <a:bodyPr wrap="none" rtlCol="0">
+            <a:spAutoFit/>
+          </a:bodyPr>
+          <a:lstStyle/>
+          <a:p>
+            <a:r>
+              <a:rPr lang="en-US" sz="2400" dirty="0">
+                <a:solidFill>
+                  <a:srgbClr val="006092"/>
+                </a:solidFill>
+                <a:latin typeface="Gill Sans Light"/>
+                <a:cs typeface="Gill Sans Light"/>
+              </a:rPr>
+              <a:t>RAMADDA</a:t>
             </a:r>
           </a:p>
         </p:txBody>
